--- a/Explicit and Implicit Presentation/Explicit and Implicit.pptx
+++ b/Explicit and Implicit Presentation/Explicit and Implicit.pptx
@@ -5,7 +5,7 @@
     <p:sldMasterId id="2147483660" r:id="rId1"/>
   </p:sldMasterIdLst>
   <p:notesMasterIdLst>
-    <p:notesMasterId r:id="rId23"/>
+    <p:notesMasterId r:id="rId25"/>
   </p:notesMasterIdLst>
   <p:sldIdLst>
     <p:sldId id="256" r:id="rId2"/>
@@ -25,10 +25,12 @@
     <p:sldId id="270" r:id="rId16"/>
     <p:sldId id="271" r:id="rId17"/>
     <p:sldId id="272" r:id="rId18"/>
-    <p:sldId id="273" r:id="rId19"/>
-    <p:sldId id="274" r:id="rId20"/>
-    <p:sldId id="275" r:id="rId21"/>
-    <p:sldId id="276" r:id="rId22"/>
+    <p:sldId id="277" r:id="rId19"/>
+    <p:sldId id="273" r:id="rId20"/>
+    <p:sldId id="274" r:id="rId21"/>
+    <p:sldId id="275" r:id="rId22"/>
+    <p:sldId id="276" r:id="rId23"/>
+    <p:sldId id="278" r:id="rId24"/>
   </p:sldIdLst>
   <p:sldSz cx="12192000" cy="6858000"/>
   <p:notesSz cx="6858000" cy="9144000"/>
@@ -127,6 +129,11 @@
       </a:defRPr>
     </a:lvl9pPr>
   </p:defaultTextStyle>
+  <p:extLst>
+    <p:ext uri="{EFAFB233-063F-42B5-8137-9DF3F51BA10A}">
+      <p15:sldGuideLst xmlns:p15="http://schemas.microsoft.com/office/powerpoint/2012/main"/>
+    </p:ext>
+  </p:extLst>
 </p:presentation>
 </file>
 
@@ -212,7 +219,7 @@
           <a:p>
             <a:fld id="{86D2C79B-F618-425C-AF2D-D1636805697F}" type="datetimeFigureOut">
               <a:rPr lang="en-US" smtClean="0"/>
-              <a:t>7/31/2017</a:t>
+              <a:t>8/1/2017</a:t>
             </a:fld>
             <a:endParaRPr lang="en-US"/>
           </a:p>
@@ -307,7 +314,6 @@
               <a:rPr lang="en-US"/>
               <a:t>Fifth level</a:t>
             </a:r>
-            <a:endParaRPr lang="en-US"/>
           </a:p>
         </p:txBody>
       </p:sp>
@@ -742,7 +748,7 @@
           <a:p>
             <a:fld id="{A91F35A2-F13F-485A-B3F0-C4CAAB520F5F}" type="datetimeFigureOut">
               <a:rPr lang="en-US" smtClean="0"/>
-              <a:t>7/31/2017</a:t>
+              <a:t>8/1/2017</a:t>
             </a:fld>
             <a:endParaRPr lang="en-US"/>
           </a:p>
@@ -1009,7 +1015,7 @@
           <a:p>
             <a:fld id="{A91F35A2-F13F-485A-B3F0-C4CAAB520F5F}" type="datetimeFigureOut">
               <a:rPr lang="en-US" smtClean="0"/>
-              <a:t>7/31/2017</a:t>
+              <a:t>8/1/2017</a:t>
             </a:fld>
             <a:endParaRPr lang="en-US"/>
           </a:p>
@@ -1240,7 +1246,7 @@
           <a:p>
             <a:fld id="{A91F35A2-F13F-485A-B3F0-C4CAAB520F5F}" type="datetimeFigureOut">
               <a:rPr lang="en-US" smtClean="0"/>
-              <a:t>7/31/2017</a:t>
+              <a:t>8/1/2017</a:t>
             </a:fld>
             <a:endParaRPr lang="en-US"/>
           </a:p>
@@ -1550,7 +1556,7 @@
           <a:p>
             <a:fld id="{A91F35A2-F13F-485A-B3F0-C4CAAB520F5F}" type="datetimeFigureOut">
               <a:rPr lang="en-US" smtClean="0"/>
-              <a:t>7/31/2017</a:t>
+              <a:t>8/1/2017</a:t>
             </a:fld>
             <a:endParaRPr lang="en-US"/>
           </a:p>
@@ -2023,7 +2029,7 @@
           <a:p>
             <a:fld id="{A91F35A2-F13F-485A-B3F0-C4CAAB520F5F}" type="datetimeFigureOut">
               <a:rPr lang="en-US" smtClean="0"/>
-              <a:t>7/31/2017</a:t>
+              <a:t>8/1/2017</a:t>
             </a:fld>
             <a:endParaRPr lang="en-US"/>
           </a:p>
@@ -2570,7 +2576,7 @@
           <a:p>
             <a:fld id="{A91F35A2-F13F-485A-B3F0-C4CAAB520F5F}" type="datetimeFigureOut">
               <a:rPr lang="en-US" smtClean="0"/>
-              <a:t>7/31/2017</a:t>
+              <a:t>8/1/2017</a:t>
             </a:fld>
             <a:endParaRPr lang="en-US"/>
           </a:p>
@@ -3344,7 +3350,7 @@
           <a:p>
             <a:fld id="{A91F35A2-F13F-485A-B3F0-C4CAAB520F5F}" type="datetimeFigureOut">
               <a:rPr lang="en-US" smtClean="0"/>
-              <a:t>7/31/2017</a:t>
+              <a:t>8/1/2017</a:t>
             </a:fld>
             <a:endParaRPr lang="en-US"/>
           </a:p>
@@ -3519,7 +3525,7 @@
           <a:p>
             <a:fld id="{A91F35A2-F13F-485A-B3F0-C4CAAB520F5F}" type="datetimeFigureOut">
               <a:rPr lang="en-US" smtClean="0"/>
-              <a:t>7/31/2017</a:t>
+              <a:t>8/1/2017</a:t>
             </a:fld>
             <a:endParaRPr lang="en-US"/>
           </a:p>
@@ -3742,7 +3748,7 @@
           <a:p>
             <a:fld id="{A91F35A2-F13F-485A-B3F0-C4CAAB520F5F}" type="datetimeFigureOut">
               <a:rPr lang="en-US" smtClean="0"/>
-              <a:t>7/31/2017</a:t>
+              <a:t>8/1/2017</a:t>
             </a:fld>
             <a:endParaRPr lang="en-US"/>
           </a:p>
@@ -3922,7 +3928,7 @@
           <a:p>
             <a:fld id="{A91F35A2-F13F-485A-B3F0-C4CAAB520F5F}" type="datetimeFigureOut">
               <a:rPr lang="en-US" smtClean="0"/>
-              <a:t>7/31/2017</a:t>
+              <a:t>8/1/2017</a:t>
             </a:fld>
             <a:endParaRPr lang="en-US"/>
           </a:p>
@@ -4211,7 +4217,7 @@
           <a:p>
             <a:fld id="{A91F35A2-F13F-485A-B3F0-C4CAAB520F5F}" type="datetimeFigureOut">
               <a:rPr lang="en-US" smtClean="0"/>
-              <a:t>7/31/2017</a:t>
+              <a:t>8/1/2017</a:t>
             </a:fld>
             <a:endParaRPr lang="en-US"/>
           </a:p>
@@ -4453,7 +4459,7 @@
           <a:p>
             <a:fld id="{A91F35A2-F13F-485A-B3F0-C4CAAB520F5F}" type="datetimeFigureOut">
               <a:rPr lang="en-US" smtClean="0"/>
-              <a:t>7/31/2017</a:t>
+              <a:t>8/1/2017</a:t>
             </a:fld>
             <a:endParaRPr lang="en-US"/>
           </a:p>
@@ -4832,7 +4838,7 @@
           <a:p>
             <a:fld id="{A91F35A2-F13F-485A-B3F0-C4CAAB520F5F}" type="datetimeFigureOut">
               <a:rPr lang="en-US" smtClean="0"/>
-              <a:t>7/31/2017</a:t>
+              <a:t>8/1/2017</a:t>
             </a:fld>
             <a:endParaRPr lang="en-US"/>
           </a:p>
@@ -4950,7 +4956,7 @@
           <a:p>
             <a:fld id="{A91F35A2-F13F-485A-B3F0-C4CAAB520F5F}" type="datetimeFigureOut">
               <a:rPr lang="en-US" smtClean="0"/>
-              <a:t>7/31/2017</a:t>
+              <a:t>8/1/2017</a:t>
             </a:fld>
             <a:endParaRPr lang="en-US"/>
           </a:p>
@@ -5045,7 +5051,7 @@
           <a:p>
             <a:fld id="{A91F35A2-F13F-485A-B3F0-C4CAAB520F5F}" type="datetimeFigureOut">
               <a:rPr lang="en-US" smtClean="0"/>
-              <a:t>7/31/2017</a:t>
+              <a:t>8/1/2017</a:t>
             </a:fld>
             <a:endParaRPr lang="en-US"/>
           </a:p>
@@ -5294,7 +5300,7 @@
           <a:p>
             <a:fld id="{A91F35A2-F13F-485A-B3F0-C4CAAB520F5F}" type="datetimeFigureOut">
               <a:rPr lang="en-US" smtClean="0"/>
-              <a:t>7/31/2017</a:t>
+              <a:t>8/1/2017</a:t>
             </a:fld>
             <a:endParaRPr lang="en-US"/>
           </a:p>
@@ -5551,7 +5557,7 @@
           <a:p>
             <a:fld id="{A91F35A2-F13F-485A-B3F0-C4CAAB520F5F}" type="datetimeFigureOut">
               <a:rPr lang="en-US" smtClean="0"/>
-              <a:t>7/31/2017</a:t>
+              <a:t>8/1/2017</a:t>
             </a:fld>
             <a:endParaRPr lang="en-US"/>
           </a:p>
@@ -5794,7 +5800,7 @@
           <a:p>
             <a:fld id="{A91F35A2-F13F-485A-B3F0-C4CAAB520F5F}" type="datetimeFigureOut">
               <a:rPr lang="en-US" smtClean="0"/>
-              <a:t>7/31/2017</a:t>
+              <a:t>8/1/2017</a:t>
             </a:fld>
             <a:endParaRPr lang="en-US"/>
           </a:p>
@@ -6309,8 +6315,8 @@
           </a:p>
         </p:txBody>
       </p:sp>
-      <mc:AlternateContent xmlns:mc="http://schemas.openxmlformats.org/markup-compatibility/2006">
-        <mc:Choice xmlns:a14="http://schemas.microsoft.com/office/drawing/2010/main" Requires="a14">
+      <mc:AlternateContent xmlns:mc="http://schemas.openxmlformats.org/markup-compatibility/2006" xmlns:a14="http://schemas.microsoft.com/office/drawing/2010/main">
+        <mc:Choice Requires="a14">
           <p:sp>
             <p:nvSpPr>
               <p:cNvPr id="3" name="Content Placeholder 2"/>
@@ -8019,7 +8025,7 @@
             </p:txBody>
           </p:sp>
         </mc:Choice>
-        <mc:Fallback>
+        <mc:Fallback xmlns="">
           <p:sp>
             <p:nvSpPr>
               <p:cNvPr id="3" name="Content Placeholder 2"/>
@@ -8105,8 +8111,8 @@
           </a:p>
         </p:txBody>
       </p:sp>
-      <mc:AlternateContent xmlns:mc="http://schemas.openxmlformats.org/markup-compatibility/2006">
-        <mc:Choice xmlns:a14="http://schemas.microsoft.com/office/drawing/2010/main" Requires="a14">
+      <mc:AlternateContent xmlns:mc="http://schemas.openxmlformats.org/markup-compatibility/2006" xmlns:a14="http://schemas.microsoft.com/office/drawing/2010/main">
+        <mc:Choice Requires="a14">
           <p:sp>
             <p:nvSpPr>
               <p:cNvPr id="3" name="Content Placeholder 2"/>
@@ -8584,13 +8590,7 @@
                                 <a:rPr lang="en-US" i="1">
                                   <a:latin typeface="Cambria Math" panose="02040503050406030204" pitchFamily="18" charset="0"/>
                                 </a:rPr>
-                                <m:t>+</m:t>
-                              </m:r>
-                              <m:r>
-                                <a:rPr lang="en-US" i="1">
-                                  <a:latin typeface="Cambria Math" panose="02040503050406030204" pitchFamily="18" charset="0"/>
-                                </a:rPr>
-                                <m:t>1</m:t>
+                                <m:t>+1</m:t>
                               </m:r>
                             </m:sub>
                             <m:sup>
@@ -9349,7 +9349,7 @@
             </p:txBody>
           </p:sp>
         </mc:Choice>
-        <mc:Fallback>
+        <mc:Fallback xmlns="">
           <p:sp>
             <p:nvSpPr>
               <p:cNvPr id="3" name="Content Placeholder 2"/>
@@ -9435,8 +9435,8 @@
           </a:p>
         </p:txBody>
       </p:sp>
-      <mc:AlternateContent xmlns:mc="http://schemas.openxmlformats.org/markup-compatibility/2006">
-        <mc:Choice xmlns:a14="http://schemas.microsoft.com/office/drawing/2010/main" Requires="a14">
+      <mc:AlternateContent xmlns:mc="http://schemas.openxmlformats.org/markup-compatibility/2006" xmlns:a14="http://schemas.microsoft.com/office/drawing/2010/main">
+        <mc:Choice Requires="a14">
           <p:sp>
             <p:nvSpPr>
               <p:cNvPr id="3" name="Content Placeholder 2"/>
@@ -9655,14 +9655,7 @@
                             <a:latin typeface="Cambria Math" panose="02040503050406030204" pitchFamily="18" charset="0"/>
                             <a:ea typeface="Cambria Math" panose="02040503050406030204" pitchFamily="18" charset="0"/>
                           </a:rPr>
-                          <m:t>+</m:t>
-                        </m:r>
-                        <m:r>
-                          <a:rPr lang="en-US" i="1">
-                            <a:latin typeface="Cambria Math" panose="02040503050406030204" pitchFamily="18" charset="0"/>
-                            <a:ea typeface="Cambria Math" panose="02040503050406030204" pitchFamily="18" charset="0"/>
-                          </a:rPr>
-                          <m:t>1</m:t>
+                          <m:t>+1</m:t>
                         </m:r>
                       </m:sub>
                       <m:sup>
@@ -10425,7 +10418,7 @@
             </p:txBody>
           </p:sp>
         </mc:Choice>
-        <mc:Fallback>
+        <mc:Fallback xmlns="">
           <p:sp>
             <p:nvSpPr>
               <p:cNvPr id="3" name="Content Placeholder 2"/>
@@ -10511,8 +10504,8 @@
           </a:p>
         </p:txBody>
       </p:sp>
-      <mc:AlternateContent xmlns:mc="http://schemas.openxmlformats.org/markup-compatibility/2006">
-        <mc:Choice xmlns:a14="http://schemas.microsoft.com/office/drawing/2010/main" Requires="a14">
+      <mc:AlternateContent xmlns:mc="http://schemas.openxmlformats.org/markup-compatibility/2006" xmlns:a14="http://schemas.microsoft.com/office/drawing/2010/main">
+        <mc:Choice Requires="a14">
           <p:sp>
             <p:nvSpPr>
               <p:cNvPr id="3" name="Content Placeholder 2"/>
@@ -10749,7 +10742,7 @@
             </p:txBody>
           </p:sp>
         </mc:Choice>
-        <mc:Fallback>
+        <mc:Fallback xmlns="">
           <p:sp>
             <p:nvSpPr>
               <p:cNvPr id="3" name="Content Placeholder 2"/>
@@ -11230,8 +11223,8 @@
           </a:p>
         </p:txBody>
       </p:sp>
-      <mc:AlternateContent xmlns:mc="http://schemas.openxmlformats.org/markup-compatibility/2006">
-        <mc:Choice xmlns:a14="http://schemas.microsoft.com/office/drawing/2010/main" Requires="a14">
+      <mc:AlternateContent xmlns:mc="http://schemas.openxmlformats.org/markup-compatibility/2006" xmlns:a14="http://schemas.microsoft.com/office/drawing/2010/main">
+        <mc:Choice Requires="a14">
           <p:sp>
             <p:nvSpPr>
               <p:cNvPr id="3" name="Content Placeholder 2"/>
@@ -11683,7 +11676,7 @@
             </p:txBody>
           </p:sp>
         </mc:Choice>
-        <mc:Fallback>
+        <mc:Fallback xmlns="">
           <p:sp>
             <p:nvSpPr>
               <p:cNvPr id="3" name="Content Placeholder 2"/>
@@ -12421,8 +12414,8 @@
           </a:p>
         </p:txBody>
       </p:sp>
-      <mc:AlternateContent xmlns:mc="http://schemas.openxmlformats.org/markup-compatibility/2006">
-        <mc:Choice xmlns:a14="http://schemas.microsoft.com/office/drawing/2010/main" Requires="a14">
+      <mc:AlternateContent xmlns:mc="http://schemas.openxmlformats.org/markup-compatibility/2006" xmlns:a14="http://schemas.microsoft.com/office/drawing/2010/main">
+        <mc:Choice Requires="a14">
           <p:sp>
             <p:nvSpPr>
               <p:cNvPr id="3" name="Content Placeholder 2"/>
@@ -12603,7 +12596,7 @@
             </p:txBody>
           </p:sp>
         </mc:Choice>
-        <mc:Fallback>
+        <mc:Fallback xmlns="">
           <p:sp>
             <p:nvSpPr>
               <p:cNvPr id="3" name="Content Placeholder 2"/>
@@ -12883,13 +12876,137 @@
           <a:p>
             <a:r>
               <a:rPr lang="en-US" dirty="0"/>
+              <a:t>CODE - EXPLICIT</a:t>
+            </a:r>
+          </a:p>
+        </p:txBody>
+      </p:sp>
+      <p:pic>
+        <p:nvPicPr>
+          <p:cNvPr id="5" name="Picture 4"/>
+          <p:cNvPicPr>
+            <a:picLocks noChangeAspect="1"/>
+          </p:cNvPicPr>
+          <p:nvPr/>
+        </p:nvPicPr>
+        <p:blipFill rotWithShape="1">
+          <a:blip r:embed="rId2"/>
+          <a:srcRect b="2147"/>
+          <a:stretch/>
+        </p:blipFill>
+        <p:spPr>
+          <a:xfrm>
+            <a:off x="442206" y="2057400"/>
+            <a:ext cx="3781732" cy="2788623"/>
+          </a:xfrm>
+          <a:prstGeom prst="rect">
+            <a:avLst/>
+          </a:prstGeom>
+        </p:spPr>
+      </p:pic>
+      <p:pic>
+        <p:nvPicPr>
+          <p:cNvPr id="6" name="Picture 5"/>
+          <p:cNvPicPr>
+            <a:picLocks noChangeAspect="1"/>
+          </p:cNvPicPr>
+          <p:nvPr/>
+        </p:nvPicPr>
+        <p:blipFill>
+          <a:blip r:embed="rId3"/>
+          <a:stretch>
+            <a:fillRect/>
+          </a:stretch>
+        </p:blipFill>
+        <p:spPr>
+          <a:xfrm>
+            <a:off x="4223938" y="3586468"/>
+            <a:ext cx="3710939" cy="2772098"/>
+          </a:xfrm>
+          <a:prstGeom prst="rect">
+            <a:avLst/>
+          </a:prstGeom>
+        </p:spPr>
+      </p:pic>
+      <p:pic>
+        <p:nvPicPr>
+          <p:cNvPr id="7" name="Content Placeholder 6"/>
+          <p:cNvPicPr>
+            <a:picLocks noGrp="1" noChangeAspect="1"/>
+          </p:cNvPicPr>
+          <p:nvPr>
+            <p:ph idx="1"/>
+          </p:nvPr>
+        </p:nvPicPr>
+        <p:blipFill rotWithShape="1">
+          <a:blip r:embed="rId4"/>
+          <a:srcRect t="1610"/>
+          <a:stretch/>
+        </p:blipFill>
+        <p:spPr>
+          <a:xfrm>
+            <a:off x="7934877" y="2057401"/>
+            <a:ext cx="3759983" cy="2788623"/>
+          </a:xfrm>
+          <a:prstGeom prst="rect">
+            <a:avLst/>
+          </a:prstGeom>
+        </p:spPr>
+      </p:pic>
+    </p:spTree>
+    <p:extLst>
+      <p:ext uri="{BB962C8B-B14F-4D97-AF65-F5344CB8AC3E}">
+        <p14:creationId xmlns:p14="http://schemas.microsoft.com/office/powerpoint/2010/main" val="1624465148"/>
+      </p:ext>
+    </p:extLst>
+  </p:cSld>
+  <p:clrMapOvr>
+    <a:masterClrMapping/>
+  </p:clrMapOvr>
+</p:sld>
+</file>
+
+<file path=ppt/slides/slide19.xml><?xml version="1.0" encoding="utf-8"?>
+<p:sld xmlns:a="http://schemas.openxmlformats.org/drawingml/2006/main" xmlns:r="http://schemas.openxmlformats.org/officeDocument/2006/relationships" xmlns:p="http://schemas.openxmlformats.org/presentationml/2006/main">
+  <p:cSld>
+    <p:spTree>
+      <p:nvGrpSpPr>
+        <p:cNvPr id="1" name=""/>
+        <p:cNvGrpSpPr/>
+        <p:nvPr/>
+      </p:nvGrpSpPr>
+      <p:grpSpPr>
+        <a:xfrm>
+          <a:off x="0" y="0"/>
+          <a:ext cx="0" cy="0"/>
+          <a:chOff x="0" y="0"/>
+          <a:chExt cx="0" cy="0"/>
+        </a:xfrm>
+      </p:grpSpPr>
+      <p:sp>
+        <p:nvSpPr>
+          <p:cNvPr id="2" name="Title 1"/>
+          <p:cNvSpPr>
+            <a:spLocks noGrp="1"/>
+          </p:cNvSpPr>
+          <p:nvPr>
+            <p:ph type="title"/>
+          </p:nvPr>
+        </p:nvSpPr>
+        <p:spPr/>
+        <p:txBody>
+          <a:bodyPr/>
+          <a:lstStyle/>
+          <a:p>
+            <a:r>
+              <a:rPr lang="en-US" dirty="0"/>
               <a:t>CODE - IMPLICIT</a:t>
             </a:r>
           </a:p>
         </p:txBody>
       </p:sp>
-      <mc:AlternateContent xmlns:mc="http://schemas.openxmlformats.org/markup-compatibility/2006">
-        <mc:Choice xmlns:a14="http://schemas.microsoft.com/office/drawing/2010/main" Requires="a14">
+      <mc:AlternateContent xmlns:mc="http://schemas.openxmlformats.org/markup-compatibility/2006" xmlns:a14="http://schemas.microsoft.com/office/drawing/2010/main">
+        <mc:Choice Requires="a14">
           <p:sp>
             <p:nvSpPr>
               <p:cNvPr id="3" name="Content Placeholder 2"/>
@@ -13131,7 +13248,7 @@
             </p:txBody>
           </p:sp>
         </mc:Choice>
-        <mc:Fallback>
+        <mc:Fallback xmlns="">
           <p:sp>
             <p:nvSpPr>
               <p:cNvPr id="3" name="Content Placeholder 2"/>
@@ -13332,7 +13449,7 @@
 </p:sld>
 </file>
 
-<file path=ppt/slides/slide19.xml><?xml version="1.0" encoding="utf-8"?>
+<file path=ppt/slides/slide2.xml><?xml version="1.0" encoding="utf-8"?>
 <p:sld xmlns:a="http://schemas.openxmlformats.org/drawingml/2006/main" xmlns:r="http://schemas.openxmlformats.org/officeDocument/2006/relationships" xmlns:p="http://schemas.openxmlformats.org/presentationml/2006/main">
   <p:cSld>
     <p:spTree>
@@ -13366,13 +13483,135 @@
           <a:p>
             <a:r>
               <a:rPr lang="en-US" dirty="0"/>
+              <a:t>NUMERICAL Integration</a:t>
+            </a:r>
+          </a:p>
+        </p:txBody>
+      </p:sp>
+      <p:sp>
+        <p:nvSpPr>
+          <p:cNvPr id="3" name="Content Placeholder 2"/>
+          <p:cNvSpPr>
+            <a:spLocks noGrp="1"/>
+          </p:cNvSpPr>
+          <p:nvPr>
+            <p:ph idx="1"/>
+          </p:nvPr>
+        </p:nvSpPr>
+        <p:spPr/>
+        <p:txBody>
+          <a:bodyPr anchor="ctr"/>
+          <a:lstStyle/>
+          <a:p>
+            <a:r>
+              <a:rPr lang="en-US" dirty="0"/>
+              <a:t>What is numerical integration?</a:t>
+            </a:r>
+          </a:p>
+          <a:p>
+            <a:pPr marL="0" indent="0">
+              <a:buNone/>
+            </a:pPr>
+            <a:endParaRPr lang="en-US" dirty="0"/>
+          </a:p>
+          <a:p>
+            <a:pPr lvl="1"/>
+            <a:r>
+              <a:rPr lang="en-US" dirty="0"/>
+              <a:t>“Numerical integration is the approximate computation of an integral using numerical techniques” –Wolfram </a:t>
+            </a:r>
+            <a:r>
+              <a:rPr lang="en-US" dirty="0" err="1"/>
+              <a:t>MathWorld</a:t>
+            </a:r>
+            <a:endParaRPr lang="en-US" dirty="0"/>
+          </a:p>
+          <a:p>
+            <a:pPr lvl="1"/>
+            <a:endParaRPr lang="en-US" dirty="0"/>
+          </a:p>
+          <a:p>
+            <a:pPr lvl="1"/>
+            <a:r>
+              <a:rPr lang="en-US" dirty="0"/>
+              <a:t>For our purposes, we can think of numerical integration as a way to perform multiple mathematical operations using similar equations in C programs.</a:t>
+            </a:r>
+          </a:p>
+          <a:p>
+            <a:pPr lvl="1"/>
+            <a:endParaRPr lang="en-US" dirty="0"/>
+          </a:p>
+          <a:p>
+            <a:pPr lvl="1"/>
+            <a:r>
+              <a:rPr lang="en-US" dirty="0"/>
+              <a:t>Examples: Approximating derivatives, Tracking planetary motion, Visualizing Lorentz models, Establishing diffusivity trends</a:t>
+            </a:r>
+          </a:p>
+          <a:p>
+            <a:pPr lvl="1"/>
+            <a:endParaRPr lang="en-US" dirty="0"/>
+          </a:p>
+          <a:p>
+            <a:pPr lvl="1"/>
+            <a:endParaRPr lang="en-US" dirty="0"/>
+          </a:p>
+        </p:txBody>
+      </p:sp>
+    </p:spTree>
+    <p:extLst>
+      <p:ext uri="{BB962C8B-B14F-4D97-AF65-F5344CB8AC3E}">
+        <p14:creationId xmlns:p14="http://schemas.microsoft.com/office/powerpoint/2010/main" val="850914198"/>
+      </p:ext>
+    </p:extLst>
+  </p:cSld>
+  <p:clrMapOvr>
+    <a:masterClrMapping/>
+  </p:clrMapOvr>
+</p:sld>
+</file>
+
+<file path=ppt/slides/slide20.xml><?xml version="1.0" encoding="utf-8"?>
+<p:sld xmlns:a="http://schemas.openxmlformats.org/drawingml/2006/main" xmlns:r="http://schemas.openxmlformats.org/officeDocument/2006/relationships" xmlns:p="http://schemas.openxmlformats.org/presentationml/2006/main">
+  <p:cSld>
+    <p:spTree>
+      <p:nvGrpSpPr>
+        <p:cNvPr id="1" name=""/>
+        <p:cNvGrpSpPr/>
+        <p:nvPr/>
+      </p:nvGrpSpPr>
+      <p:grpSpPr>
+        <a:xfrm>
+          <a:off x="0" y="0"/>
+          <a:ext cx="0" cy="0"/>
+          <a:chOff x="0" y="0"/>
+          <a:chExt cx="0" cy="0"/>
+        </a:xfrm>
+      </p:grpSpPr>
+      <p:sp>
+        <p:nvSpPr>
+          <p:cNvPr id="2" name="Title 1"/>
+          <p:cNvSpPr>
+            <a:spLocks noGrp="1"/>
+          </p:cNvSpPr>
+          <p:nvPr>
+            <p:ph type="title"/>
+          </p:nvPr>
+        </p:nvSpPr>
+        <p:spPr/>
+        <p:txBody>
+          <a:bodyPr/>
+          <a:lstStyle/>
+          <a:p>
+            <a:r>
+              <a:rPr lang="en-US" dirty="0"/>
               <a:t>CODE - IMPLICIT</a:t>
             </a:r>
           </a:p>
         </p:txBody>
       </p:sp>
-      <mc:AlternateContent xmlns:mc="http://schemas.openxmlformats.org/markup-compatibility/2006">
-        <mc:Choice xmlns:a14="http://schemas.microsoft.com/office/drawing/2010/main" Requires="a14">
+      <mc:AlternateContent xmlns:mc="http://schemas.openxmlformats.org/markup-compatibility/2006" xmlns:a14="http://schemas.microsoft.com/office/drawing/2010/main">
+        <mc:Choice Requires="a14">
           <p:sp>
             <p:nvSpPr>
               <p:cNvPr id="3" name="Content Placeholder 2"/>
@@ -13586,14 +13825,7 @@
                             <a:latin typeface="Cambria Math" panose="02040503050406030204" pitchFamily="18" charset="0"/>
                             <a:ea typeface="Cambria Math" panose="02040503050406030204" pitchFamily="18" charset="0"/>
                           </a:rPr>
-                          <m:t>+</m:t>
-                        </m:r>
-                        <m:r>
-                          <a:rPr lang="en-US" i="1">
-                            <a:latin typeface="Cambria Math" panose="02040503050406030204" pitchFamily="18" charset="0"/>
-                            <a:ea typeface="Cambria Math" panose="02040503050406030204" pitchFamily="18" charset="0"/>
-                          </a:rPr>
-                          <m:t>1</m:t>
+                          <m:t>+1</m:t>
                         </m:r>
                       </m:sub>
                       <m:sup>
@@ -13871,7 +14103,7 @@
             </p:txBody>
           </p:sp>
         </mc:Choice>
-        <mc:Fallback>
+        <mc:Fallback xmlns="">
           <p:sp>
             <p:nvSpPr>
               <p:cNvPr id="3" name="Content Placeholder 2"/>
@@ -14815,129 +15047,7 @@
 </p:sld>
 </file>
 
-<file path=ppt/slides/slide2.xml><?xml version="1.0" encoding="utf-8"?>
-<p:sld xmlns:a="http://schemas.openxmlformats.org/drawingml/2006/main" xmlns:r="http://schemas.openxmlformats.org/officeDocument/2006/relationships" xmlns:p="http://schemas.openxmlformats.org/presentationml/2006/main">
-  <p:cSld>
-    <p:spTree>
-      <p:nvGrpSpPr>
-        <p:cNvPr id="1" name=""/>
-        <p:cNvGrpSpPr/>
-        <p:nvPr/>
-      </p:nvGrpSpPr>
-      <p:grpSpPr>
-        <a:xfrm>
-          <a:off x="0" y="0"/>
-          <a:ext cx="0" cy="0"/>
-          <a:chOff x="0" y="0"/>
-          <a:chExt cx="0" cy="0"/>
-        </a:xfrm>
-      </p:grpSpPr>
-      <p:sp>
-        <p:nvSpPr>
-          <p:cNvPr id="2" name="Title 1"/>
-          <p:cNvSpPr>
-            <a:spLocks noGrp="1"/>
-          </p:cNvSpPr>
-          <p:nvPr>
-            <p:ph type="title"/>
-          </p:nvPr>
-        </p:nvSpPr>
-        <p:spPr/>
-        <p:txBody>
-          <a:bodyPr/>
-          <a:lstStyle/>
-          <a:p>
-            <a:r>
-              <a:rPr lang="en-US" dirty="0"/>
-              <a:t>NUMERICAL Integration</a:t>
-            </a:r>
-          </a:p>
-        </p:txBody>
-      </p:sp>
-      <p:sp>
-        <p:nvSpPr>
-          <p:cNvPr id="3" name="Content Placeholder 2"/>
-          <p:cNvSpPr>
-            <a:spLocks noGrp="1"/>
-          </p:cNvSpPr>
-          <p:nvPr>
-            <p:ph idx="1"/>
-          </p:nvPr>
-        </p:nvSpPr>
-        <p:spPr/>
-        <p:txBody>
-          <a:bodyPr anchor="ctr"/>
-          <a:lstStyle/>
-          <a:p>
-            <a:r>
-              <a:rPr lang="en-US" dirty="0"/>
-              <a:t>What is numerical integration?</a:t>
-            </a:r>
-          </a:p>
-          <a:p>
-            <a:pPr marL="0" indent="0">
-              <a:buNone/>
-            </a:pPr>
-            <a:endParaRPr lang="en-US" dirty="0"/>
-          </a:p>
-          <a:p>
-            <a:pPr lvl="1"/>
-            <a:r>
-              <a:rPr lang="en-US" dirty="0"/>
-              <a:t>“Numerical integration is the approximate computation of an integral using numerical techniques” –Wolfram </a:t>
-            </a:r>
-            <a:r>
-              <a:rPr lang="en-US" dirty="0" err="1"/>
-              <a:t>MathWorld</a:t>
-            </a:r>
-            <a:endParaRPr lang="en-US" dirty="0"/>
-          </a:p>
-          <a:p>
-            <a:pPr lvl="1"/>
-            <a:endParaRPr lang="en-US" dirty="0"/>
-          </a:p>
-          <a:p>
-            <a:pPr lvl="1"/>
-            <a:r>
-              <a:rPr lang="en-US" dirty="0"/>
-              <a:t>For our purposes, we can think of numerical integration as a way to perform multiple mathematical operations using similar equations in C programs.</a:t>
-            </a:r>
-          </a:p>
-          <a:p>
-            <a:pPr lvl="1"/>
-            <a:endParaRPr lang="en-US" dirty="0"/>
-          </a:p>
-          <a:p>
-            <a:pPr lvl="1"/>
-            <a:r>
-              <a:rPr lang="en-US" dirty="0"/>
-              <a:t>Examples: Approximating derivatives, Tracking planetary motion, Visualizing Lorentz models, Establishing diffusivity trends</a:t>
-            </a:r>
-          </a:p>
-          <a:p>
-            <a:pPr lvl="1"/>
-            <a:endParaRPr lang="en-US" dirty="0"/>
-          </a:p>
-          <a:p>
-            <a:pPr lvl="1"/>
-            <a:endParaRPr lang="en-US" dirty="0"/>
-          </a:p>
-        </p:txBody>
-      </p:sp>
-    </p:spTree>
-    <p:extLst>
-      <p:ext uri="{BB962C8B-B14F-4D97-AF65-F5344CB8AC3E}">
-        <p14:creationId xmlns:p14="http://schemas.microsoft.com/office/powerpoint/2010/main" val="850914198"/>
-      </p:ext>
-    </p:extLst>
-  </p:cSld>
-  <p:clrMapOvr>
-    <a:masterClrMapping/>
-  </p:clrMapOvr>
-</p:sld>
-</file>
-
-<file path=ppt/slides/slide20.xml><?xml version="1.0" encoding="utf-8"?>
+<file path=ppt/slides/slide21.xml><?xml version="1.0" encoding="utf-8"?>
 <p:sld xmlns:a="http://schemas.openxmlformats.org/drawingml/2006/main" xmlns:r="http://schemas.openxmlformats.org/officeDocument/2006/relationships" xmlns:p="http://schemas.openxmlformats.org/presentationml/2006/main">
   <p:cSld>
     <p:spTree>
@@ -15034,7 +15144,7 @@
 </p:sld>
 </file>
 
-<file path=ppt/slides/slide21.xml><?xml version="1.0" encoding="utf-8"?>
+<file path=ppt/slides/slide22.xml><?xml version="1.0" encoding="utf-8"?>
 <p:sld xmlns:a="http://schemas.openxmlformats.org/drawingml/2006/main" xmlns:r="http://schemas.openxmlformats.org/officeDocument/2006/relationships" xmlns:p="http://schemas.openxmlformats.org/presentationml/2006/main">
   <p:cSld>
     <p:spTree>
@@ -15153,6 +15263,148 @@
 </p:sld>
 </file>
 
+<file path=ppt/slides/slide23.xml><?xml version="1.0" encoding="utf-8"?>
+<p:sld xmlns:a="http://schemas.openxmlformats.org/drawingml/2006/main" xmlns:r="http://schemas.openxmlformats.org/officeDocument/2006/relationships" xmlns:p="http://schemas.openxmlformats.org/presentationml/2006/main">
+  <p:cSld>
+    <p:spTree>
+      <p:nvGrpSpPr>
+        <p:cNvPr id="1" name=""/>
+        <p:cNvGrpSpPr/>
+        <p:nvPr/>
+      </p:nvGrpSpPr>
+      <p:grpSpPr>
+        <a:xfrm>
+          <a:off x="0" y="0"/>
+          <a:ext cx="0" cy="0"/>
+          <a:chOff x="0" y="0"/>
+          <a:chExt cx="0" cy="0"/>
+        </a:xfrm>
+      </p:grpSpPr>
+      <p:sp>
+        <p:nvSpPr>
+          <p:cNvPr id="2" name="Title 1"/>
+          <p:cNvSpPr>
+            <a:spLocks noGrp="1"/>
+          </p:cNvSpPr>
+          <p:nvPr>
+            <p:ph type="title"/>
+          </p:nvPr>
+        </p:nvSpPr>
+        <p:spPr/>
+        <p:txBody>
+          <a:bodyPr/>
+          <a:lstStyle/>
+          <a:p>
+            <a:r>
+              <a:rPr lang="en-US" dirty="0"/>
+              <a:t>CODE - IMPLICIT</a:t>
+            </a:r>
+          </a:p>
+        </p:txBody>
+      </p:sp>
+      <p:sp>
+        <p:nvSpPr>
+          <p:cNvPr id="3" name="Content Placeholder 2"/>
+          <p:cNvSpPr>
+            <a:spLocks noGrp="1"/>
+          </p:cNvSpPr>
+          <p:nvPr>
+            <p:ph idx="1"/>
+          </p:nvPr>
+        </p:nvSpPr>
+        <p:spPr/>
+        <p:txBody>
+          <a:bodyPr/>
+          <a:lstStyle/>
+          <a:p>
+            <a:endParaRPr lang="en-US" dirty="0"/>
+          </a:p>
+        </p:txBody>
+      </p:sp>
+      <p:pic>
+        <p:nvPicPr>
+          <p:cNvPr id="4" name="Picture 3"/>
+          <p:cNvPicPr>
+            <a:picLocks noChangeAspect="1"/>
+          </p:cNvPicPr>
+          <p:nvPr/>
+        </p:nvPicPr>
+        <p:blipFill rotWithShape="1">
+          <a:blip r:embed="rId2"/>
+          <a:srcRect t="875"/>
+          <a:stretch/>
+        </p:blipFill>
+        <p:spPr>
+          <a:xfrm>
+            <a:off x="610758" y="1968911"/>
+            <a:ext cx="3658123" cy="2746433"/>
+          </a:xfrm>
+          <a:prstGeom prst="rect">
+            <a:avLst/>
+          </a:prstGeom>
+        </p:spPr>
+      </p:pic>
+      <p:pic>
+        <p:nvPicPr>
+          <p:cNvPr id="5" name="Picture 4"/>
+          <p:cNvPicPr>
+            <a:picLocks noChangeAspect="1"/>
+          </p:cNvPicPr>
+          <p:nvPr/>
+        </p:nvPicPr>
+        <p:blipFill>
+          <a:blip r:embed="rId3"/>
+          <a:stretch>
+            <a:fillRect/>
+          </a:stretch>
+        </p:blipFill>
+        <p:spPr>
+          <a:xfrm>
+            <a:off x="4268881" y="3472252"/>
+            <a:ext cx="3663859" cy="2746433"/>
+          </a:xfrm>
+          <a:prstGeom prst="rect">
+            <a:avLst/>
+          </a:prstGeom>
+        </p:spPr>
+      </p:pic>
+      <p:pic>
+        <p:nvPicPr>
+          <p:cNvPr id="6" name="Picture 5"/>
+          <p:cNvPicPr>
+            <a:picLocks noChangeAspect="1"/>
+          </p:cNvPicPr>
+          <p:nvPr/>
+        </p:nvPicPr>
+        <p:blipFill>
+          <a:blip r:embed="rId4"/>
+          <a:stretch>
+            <a:fillRect/>
+          </a:stretch>
+        </p:blipFill>
+        <p:spPr>
+          <a:xfrm>
+            <a:off x="7932740" y="1968911"/>
+            <a:ext cx="3663860" cy="2738346"/>
+          </a:xfrm>
+          <a:prstGeom prst="rect">
+            <a:avLst/>
+          </a:prstGeom>
+        </p:spPr>
+      </p:pic>
+    </p:spTree>
+    <p:extLst>
+      <p:ext uri="{BB962C8B-B14F-4D97-AF65-F5344CB8AC3E}">
+        <p14:creationId xmlns:p14="http://schemas.microsoft.com/office/powerpoint/2010/main" val="1967440215"/>
+      </p:ext>
+    </p:extLst>
+  </p:cSld>
+  <p:clrMapOvr>
+    <a:masterClrMapping/>
+  </p:clrMapOvr>
+</p:sld>
+</file>
+
 <file path=ppt/slides/slide3.xml><?xml version="1.0" encoding="utf-8"?>
 <p:sld xmlns:a="http://schemas.openxmlformats.org/drawingml/2006/main" xmlns:r="http://schemas.openxmlformats.org/officeDocument/2006/relationships" xmlns:p="http://schemas.openxmlformats.org/presentationml/2006/main">
   <p:cSld>
@@ -15192,8 +15444,8 @@
           </a:p>
         </p:txBody>
       </p:sp>
-      <mc:AlternateContent xmlns:mc="http://schemas.openxmlformats.org/markup-compatibility/2006">
-        <mc:Choice xmlns:a14="http://schemas.microsoft.com/office/drawing/2010/main" Requires="a14">
+      <mc:AlternateContent xmlns:mc="http://schemas.openxmlformats.org/markup-compatibility/2006" xmlns:a14="http://schemas.microsoft.com/office/drawing/2010/main">
+        <mc:Choice Requires="a14">
           <p:sp>
             <p:nvSpPr>
               <p:cNvPr id="3" name="Content Placeholder 2"/>
@@ -15270,6 +15522,7 @@
                       </m:f>
                       <m:r>
                         <a:rPr lang="en-US" dirty="0">
+                          <a:latin typeface="Cambria Math" panose="02040503050406030204" pitchFamily="18" charset="0"/>
                           <a:ea typeface="Cambria Math" panose="02040503050406030204" pitchFamily="18" charset="0"/>
                         </a:rPr>
                         <m:t>=</m:t>
@@ -15461,11 +15714,7 @@
                 <a:pPr lvl="2"/>
                 <a:r>
                   <a:rPr lang="en-US" dirty="0"/>
-                  <a:t>For heat transfer,</a:t>
-                </a:r>
-                <a:r>
-                  <a:rPr lang="en-US" dirty="0"/>
-                  <a:t> </a:t>
+                  <a:t>For heat transfer, </a:t>
                 </a:r>
                 <a14:m>
                   <m:oMath xmlns:m="http://schemas.openxmlformats.org/officeDocument/2006/math">
@@ -15590,7 +15839,7 @@
             </p:txBody>
           </p:sp>
         </mc:Choice>
-        <mc:Fallback>
+        <mc:Fallback xmlns="">
           <p:sp>
             <p:nvSpPr>
               <p:cNvPr id="3" name="Content Placeholder 2"/>
@@ -15676,8 +15925,8 @@
           </a:p>
         </p:txBody>
       </p:sp>
-      <mc:AlternateContent xmlns:mc="http://schemas.openxmlformats.org/markup-compatibility/2006">
-        <mc:Choice xmlns:a14="http://schemas.microsoft.com/office/drawing/2010/main" Requires="a14">
+      <mc:AlternateContent xmlns:mc="http://schemas.openxmlformats.org/markup-compatibility/2006" xmlns:a14="http://schemas.microsoft.com/office/drawing/2010/main">
+        <mc:Choice Requires="a14">
           <p:sp>
             <p:nvSpPr>
               <p:cNvPr id="3" name="Content Placeholder 2"/>
@@ -16566,7 +16815,7 @@
             </p:txBody>
           </p:sp>
         </mc:Choice>
-        <mc:Fallback>
+        <mc:Fallback xmlns="">
           <p:sp>
             <p:nvSpPr>
               <p:cNvPr id="3" name="Content Placeholder 2"/>
@@ -16652,8 +16901,8 @@
           </a:p>
         </p:txBody>
       </p:sp>
-      <mc:AlternateContent xmlns:mc="http://schemas.openxmlformats.org/markup-compatibility/2006">
-        <mc:Choice xmlns:a14="http://schemas.microsoft.com/office/drawing/2010/main" Requires="a14">
+      <mc:AlternateContent xmlns:mc="http://schemas.openxmlformats.org/markup-compatibility/2006" xmlns:a14="http://schemas.microsoft.com/office/drawing/2010/main">
+        <mc:Choice Requires="a14">
           <p:sp>
             <p:nvSpPr>
               <p:cNvPr id="3" name="Content Placeholder 2"/>
@@ -17387,7 +17636,7 @@
             </p:txBody>
           </p:sp>
         </mc:Choice>
-        <mc:Fallback>
+        <mc:Fallback xmlns="">
           <p:sp>
             <p:nvSpPr>
               <p:cNvPr id="3" name="Content Placeholder 2"/>
@@ -17473,8 +17722,8 @@
           </a:p>
         </p:txBody>
       </p:sp>
-      <mc:AlternateContent xmlns:mc="http://schemas.openxmlformats.org/markup-compatibility/2006">
-        <mc:Choice xmlns:a14="http://schemas.microsoft.com/office/drawing/2010/main" Requires="a14">
+      <mc:AlternateContent xmlns:mc="http://schemas.openxmlformats.org/markup-compatibility/2006" xmlns:a14="http://schemas.microsoft.com/office/drawing/2010/main">
+        <mc:Choice Requires="a14">
           <p:sp>
             <p:nvSpPr>
               <p:cNvPr id="3" name="Content Placeholder 2"/>
@@ -18047,7 +18296,7 @@
             </p:txBody>
           </p:sp>
         </mc:Choice>
-        <mc:Fallback>
+        <mc:Fallback xmlns="">
           <p:sp>
             <p:nvSpPr>
               <p:cNvPr id="3" name="Content Placeholder 2"/>
@@ -18231,8 +18480,8 @@
           </a:p>
         </p:txBody>
       </p:sp>
-      <mc:AlternateContent xmlns:mc="http://schemas.openxmlformats.org/markup-compatibility/2006">
-        <mc:Choice xmlns:a14="http://schemas.microsoft.com/office/drawing/2010/main" Requires="a14">
+      <mc:AlternateContent xmlns:mc="http://schemas.openxmlformats.org/markup-compatibility/2006" xmlns:a14="http://schemas.microsoft.com/office/drawing/2010/main">
+        <mc:Choice Requires="a14">
           <p:sp>
             <p:nvSpPr>
               <p:cNvPr id="3" name="Content Placeholder 2"/>
@@ -18833,7 +19082,7 @@
             </p:txBody>
           </p:sp>
         </mc:Choice>
-        <mc:Fallback>
+        <mc:Fallback xmlns="">
           <p:sp>
             <p:nvSpPr>
               <p:cNvPr id="3" name="Content Placeholder 2"/>
@@ -18919,8 +19168,8 @@
           </a:p>
         </p:txBody>
       </p:sp>
-      <mc:AlternateContent xmlns:mc="http://schemas.openxmlformats.org/markup-compatibility/2006">
-        <mc:Choice xmlns:a14="http://schemas.microsoft.com/office/drawing/2010/main" Requires="a14">
+      <mc:AlternateContent xmlns:mc="http://schemas.openxmlformats.org/markup-compatibility/2006" xmlns:a14="http://schemas.microsoft.com/office/drawing/2010/main">
+        <mc:Choice Requires="a14">
           <p:sp>
             <p:nvSpPr>
               <p:cNvPr id="3" name="Content Placeholder 2"/>
@@ -19462,7 +19711,7 @@
             </p:txBody>
           </p:sp>
         </mc:Choice>
-        <mc:Fallback>
+        <mc:Fallback xmlns="">
           <p:sp>
             <p:nvSpPr>
               <p:cNvPr id="3" name="Content Placeholder 2"/>
